--- a/src/4221-t3/images/t5.pptx
+++ b/src/4221-t3/images/t5.pptx
@@ -275,7 +275,7 @@
           <a:p>
             <a:fld id="{4CADD69B-74F8-4198-B093-991B2CFD1994}" type="datetimeFigureOut">
               <a:rPr lang="en-SG" smtClean="0"/>
-              <a:t>7/2/2022</a:t>
+              <a:t>8/2/2022</a:t>
             </a:fld>
             <a:endParaRPr lang="en-SG"/>
           </a:p>
@@ -475,7 +475,7 @@
           <a:p>
             <a:fld id="{4CADD69B-74F8-4198-B093-991B2CFD1994}" type="datetimeFigureOut">
               <a:rPr lang="en-SG" smtClean="0"/>
-              <a:t>7/2/2022</a:t>
+              <a:t>8/2/2022</a:t>
             </a:fld>
             <a:endParaRPr lang="en-SG"/>
           </a:p>
@@ -685,7 +685,7 @@
           <a:p>
             <a:fld id="{4CADD69B-74F8-4198-B093-991B2CFD1994}" type="datetimeFigureOut">
               <a:rPr lang="en-SG" smtClean="0"/>
-              <a:t>7/2/2022</a:t>
+              <a:t>8/2/2022</a:t>
             </a:fld>
             <a:endParaRPr lang="en-SG"/>
           </a:p>
@@ -885,7 +885,7 @@
           <a:p>
             <a:fld id="{4CADD69B-74F8-4198-B093-991B2CFD1994}" type="datetimeFigureOut">
               <a:rPr lang="en-SG" smtClean="0"/>
-              <a:t>7/2/2022</a:t>
+              <a:t>8/2/2022</a:t>
             </a:fld>
             <a:endParaRPr lang="en-SG"/>
           </a:p>
@@ -1161,7 +1161,7 @@
           <a:p>
             <a:fld id="{4CADD69B-74F8-4198-B093-991B2CFD1994}" type="datetimeFigureOut">
               <a:rPr lang="en-SG" smtClean="0"/>
-              <a:t>7/2/2022</a:t>
+              <a:t>8/2/2022</a:t>
             </a:fld>
             <a:endParaRPr lang="en-SG"/>
           </a:p>
@@ -1429,7 +1429,7 @@
           <a:p>
             <a:fld id="{4CADD69B-74F8-4198-B093-991B2CFD1994}" type="datetimeFigureOut">
               <a:rPr lang="en-SG" smtClean="0"/>
-              <a:t>7/2/2022</a:t>
+              <a:t>8/2/2022</a:t>
             </a:fld>
             <a:endParaRPr lang="en-SG"/>
           </a:p>
@@ -1844,7 +1844,7 @@
           <a:p>
             <a:fld id="{4CADD69B-74F8-4198-B093-991B2CFD1994}" type="datetimeFigureOut">
               <a:rPr lang="en-SG" smtClean="0"/>
-              <a:t>7/2/2022</a:t>
+              <a:t>8/2/2022</a:t>
             </a:fld>
             <a:endParaRPr lang="en-SG"/>
           </a:p>
@@ -1986,7 +1986,7 @@
           <a:p>
             <a:fld id="{4CADD69B-74F8-4198-B093-991B2CFD1994}" type="datetimeFigureOut">
               <a:rPr lang="en-SG" smtClean="0"/>
-              <a:t>7/2/2022</a:t>
+              <a:t>8/2/2022</a:t>
             </a:fld>
             <a:endParaRPr lang="en-SG"/>
           </a:p>
@@ -2099,7 +2099,7 @@
           <a:p>
             <a:fld id="{4CADD69B-74F8-4198-B093-991B2CFD1994}" type="datetimeFigureOut">
               <a:rPr lang="en-SG" smtClean="0"/>
-              <a:t>7/2/2022</a:t>
+              <a:t>8/2/2022</a:t>
             </a:fld>
             <a:endParaRPr lang="en-SG"/>
           </a:p>
@@ -2412,7 +2412,7 @@
           <a:p>
             <a:fld id="{4CADD69B-74F8-4198-B093-991B2CFD1994}" type="datetimeFigureOut">
               <a:rPr lang="en-SG" smtClean="0"/>
-              <a:t>7/2/2022</a:t>
+              <a:t>8/2/2022</a:t>
             </a:fld>
             <a:endParaRPr lang="en-SG"/>
           </a:p>
@@ -2701,7 +2701,7 @@
           <a:p>
             <a:fld id="{4CADD69B-74F8-4198-B093-991B2CFD1994}" type="datetimeFigureOut">
               <a:rPr lang="en-SG" smtClean="0"/>
-              <a:t>7/2/2022</a:t>
+              <a:t>8/2/2022</a:t>
             </a:fld>
             <a:endParaRPr lang="en-SG"/>
           </a:p>
@@ -2944,7 +2944,7 @@
           <a:p>
             <a:fld id="{4CADD69B-74F8-4198-B093-991B2CFD1994}" type="datetimeFigureOut">
               <a:rPr lang="en-SG" smtClean="0"/>
-              <a:t>7/2/2022</a:t>
+              <a:t>8/2/2022</a:t>
             </a:fld>
             <a:endParaRPr lang="en-SG"/>
           </a:p>
@@ -3375,10 +3375,10 @@
         </p:nvGrpSpPr>
         <p:grpSpPr>
           <a:xfrm>
-            <a:off x="1330897" y="491795"/>
-            <a:ext cx="9293762" cy="5469873"/>
-            <a:chOff x="1330897" y="491795"/>
-            <a:chExt cx="9293762" cy="5469873"/>
+            <a:off x="1506071" y="574396"/>
+            <a:ext cx="8889955" cy="5557464"/>
+            <a:chOff x="1506071" y="574396"/>
+            <a:chExt cx="8889955" cy="5557464"/>
           </a:xfrm>
         </p:grpSpPr>
         <p:sp>
@@ -3395,8 +3395,8 @@
           </p:nvSpPr>
           <p:spPr>
             <a:xfrm>
-              <a:off x="1330897" y="491795"/>
-              <a:ext cx="9293762" cy="5469873"/>
+              <a:off x="1506071" y="574396"/>
+              <a:ext cx="8889955" cy="5557464"/>
             </a:xfrm>
             <a:prstGeom prst="rect">
               <a:avLst/>
